--- a/Lectures/Lecture_4.pptx
+++ b/Lectures/Lecture_4.pptx
@@ -3293,6 +3293,52 @@
           </a:p>
           <a:p>
             <a:pPr lvl="1"/>
+            <a:r>
+              <a:rPr lang="en-US" sz="2400" b="1" dirty="0" err="1" smtClean="0"/>
+              <a:t>G.Paschmann</a:t>
+            </a:r>
+            <a:r>
+              <a:rPr lang="en-US" sz="2400" dirty="0"/>
+              <a:t> </a:t>
+            </a:r>
+            <a:r>
+              <a:rPr lang="en-US" sz="2400" dirty="0" smtClean="0"/>
+              <a:t>et all, </a:t>
+            </a:r>
+            <a:r>
+              <a:rPr lang="en-US" sz="2400" b="1" dirty="0"/>
+              <a:t>Characteristics of the near-tail dawn magnetopause and boundary </a:t>
+            </a:r>
+            <a:r>
+              <a:rPr lang="en-US" sz="2400" b="1" dirty="0" smtClean="0"/>
+              <a:t>layer, </a:t>
+            </a:r>
+            <a:r>
+              <a:rPr lang="fr-FR" sz="2400" dirty="0" smtClean="0"/>
+              <a:t>Annales </a:t>
+            </a:r>
+            <a:r>
+              <a:rPr lang="fr-FR" sz="2400" dirty="0" err="1"/>
+              <a:t>Geophysicae</a:t>
+            </a:r>
+            <a:r>
+              <a:rPr lang="fr-FR" sz="2400" dirty="0"/>
+              <a:t> (2005) 23: 1481</a:t>
+            </a:r>
+            <a:r>
+              <a:rPr lang="fr-FR" sz="2400"/>
+              <a:t>–</a:t>
+            </a:r>
+            <a:r>
+              <a:rPr lang="fr-FR" sz="2400" smtClean="0"/>
+              <a:t>1497</a:t>
+            </a:r>
+            <a:endParaRPr lang="fr-FR" sz="2400" dirty="0"/>
+          </a:p>
+          <a:p>
+            <a:pPr marL="457200" lvl="1" indent="0">
+              <a:buNone/>
+            </a:pPr>
             <a:endParaRPr lang="en-US" sz="2200" b="1" dirty="0">
               <a:latin typeface="Courier"/>
               <a:cs typeface="Courier"/>
@@ -4038,14 +4084,21 @@
             </a:r>
             <a:r>
               <a:rPr lang="en-US" dirty="0" smtClean="0"/>
-              <a:t> et al, 2005 (downloaded earlier)</a:t>
+              <a:t> et al, 2005 (downloaded earlier) to:</a:t>
             </a:r>
           </a:p>
           <a:p>
             <a:pPr lvl="1"/>
             <a:r>
               <a:rPr lang="en-US" dirty="0" smtClean="0"/>
-              <a:t>To determine orientation and thickness of the boundaries</a:t>
+              <a:t>Identify boundary crossings</a:t>
+            </a:r>
+          </a:p>
+          <a:p>
+            <a:pPr lvl="1"/>
+            <a:r>
+              <a:rPr lang="en-US" dirty="0" smtClean="0"/>
+              <a:t>determine orientation and thickness of the boundaries</a:t>
             </a:r>
           </a:p>
           <a:p>

--- a/Lectures/Lecture_4.pptx
+++ b/Lectures/Lecture_4.pptx
@@ -10,8 +10,7 @@
     <p:sldId id="258" r:id="rId4"/>
     <p:sldId id="260" r:id="rId5"/>
     <p:sldId id="261" r:id="rId6"/>
-    <p:sldId id="259" r:id="rId7"/>
-    <p:sldId id="262" r:id="rId8"/>
+    <p:sldId id="262" r:id="rId7"/>
   </p:sldIdLst>
   <p:sldSz cx="9144000" cy="6858000" type="screen4x3"/>
   <p:notesSz cx="6858000" cy="9144000"/>
@@ -294,7 +293,7 @@
           <a:p>
             <a:fld id="{E5297B54-4BCD-7248-ABCA-5759508CA198}" type="datetimeFigureOut">
               <a:rPr lang="en-US" smtClean="0"/>
-              <a:t>15-08-04</a:t>
+              <a:t>05.08.15</a:t>
             </a:fld>
             <a:endParaRPr lang="en-US"/>
           </a:p>
@@ -464,7 +463,7 @@
           <a:p>
             <a:fld id="{E5297B54-4BCD-7248-ABCA-5759508CA198}" type="datetimeFigureOut">
               <a:rPr lang="en-US" smtClean="0"/>
-              <a:t>15-08-04</a:t>
+              <a:t>05.08.15</a:t>
             </a:fld>
             <a:endParaRPr lang="en-US"/>
           </a:p>
@@ -644,7 +643,7 @@
           <a:p>
             <a:fld id="{E5297B54-4BCD-7248-ABCA-5759508CA198}" type="datetimeFigureOut">
               <a:rPr lang="en-US" smtClean="0"/>
-              <a:t>15-08-04</a:t>
+              <a:t>05.08.15</a:t>
             </a:fld>
             <a:endParaRPr lang="en-US"/>
           </a:p>
@@ -814,7 +813,7 @@
           <a:p>
             <a:fld id="{E5297B54-4BCD-7248-ABCA-5759508CA198}" type="datetimeFigureOut">
               <a:rPr lang="en-US" smtClean="0"/>
-              <a:t>15-08-04</a:t>
+              <a:t>05.08.15</a:t>
             </a:fld>
             <a:endParaRPr lang="en-US"/>
           </a:p>
@@ -1060,7 +1059,7 @@
           <a:p>
             <a:fld id="{E5297B54-4BCD-7248-ABCA-5759508CA198}" type="datetimeFigureOut">
               <a:rPr lang="en-US" smtClean="0"/>
-              <a:t>15-08-04</a:t>
+              <a:t>05.08.15</a:t>
             </a:fld>
             <a:endParaRPr lang="en-US"/>
           </a:p>
@@ -1348,7 +1347,7 @@
           <a:p>
             <a:fld id="{E5297B54-4BCD-7248-ABCA-5759508CA198}" type="datetimeFigureOut">
               <a:rPr lang="en-US" smtClean="0"/>
-              <a:t>15-08-04</a:t>
+              <a:t>05.08.15</a:t>
             </a:fld>
             <a:endParaRPr lang="en-US"/>
           </a:p>
@@ -1770,7 +1769,7 @@
           <a:p>
             <a:fld id="{E5297B54-4BCD-7248-ABCA-5759508CA198}" type="datetimeFigureOut">
               <a:rPr lang="en-US" smtClean="0"/>
-              <a:t>15-08-04</a:t>
+              <a:t>05.08.15</a:t>
             </a:fld>
             <a:endParaRPr lang="en-US"/>
           </a:p>
@@ -1888,7 +1887,7 @@
           <a:p>
             <a:fld id="{E5297B54-4BCD-7248-ABCA-5759508CA198}" type="datetimeFigureOut">
               <a:rPr lang="en-US" smtClean="0"/>
-              <a:t>15-08-04</a:t>
+              <a:t>05.08.15</a:t>
             </a:fld>
             <a:endParaRPr lang="en-US"/>
           </a:p>
@@ -1983,7 +1982,7 @@
           <a:p>
             <a:fld id="{E5297B54-4BCD-7248-ABCA-5759508CA198}" type="datetimeFigureOut">
               <a:rPr lang="en-US" smtClean="0"/>
-              <a:t>15-08-04</a:t>
+              <a:t>05.08.15</a:t>
             </a:fld>
             <a:endParaRPr lang="en-US"/>
           </a:p>
@@ -2260,7 +2259,7 @@
           <a:p>
             <a:fld id="{E5297B54-4BCD-7248-ABCA-5759508CA198}" type="datetimeFigureOut">
               <a:rPr lang="en-US" smtClean="0"/>
-              <a:t>15-08-04</a:t>
+              <a:t>05.08.15</a:t>
             </a:fld>
             <a:endParaRPr lang="en-US"/>
           </a:p>
@@ -2513,7 +2512,7 @@
           <a:p>
             <a:fld id="{E5297B54-4BCD-7248-ABCA-5759508CA198}" type="datetimeFigureOut">
               <a:rPr lang="en-US" smtClean="0"/>
-              <a:t>15-08-04</a:t>
+              <a:t>05.08.15</a:t>
             </a:fld>
             <a:endParaRPr lang="en-US"/>
           </a:p>
@@ -2726,7 +2725,7 @@
           <a:p>
             <a:fld id="{E5297B54-4BCD-7248-ABCA-5759508CA198}" type="datetimeFigureOut">
               <a:rPr lang="en-US" smtClean="0"/>
-              <a:t>15-08-04</a:t>
+              <a:t>05.08.15</a:t>
             </a:fld>
             <a:endParaRPr lang="en-US"/>
           </a:p>
@@ -3118,11 +3117,7 @@
           <a:p>
             <a:r>
               <a:rPr lang="en-US" dirty="0" smtClean="0"/>
-              <a:t>Lecture </a:t>
-            </a:r>
-            <a:r>
-              <a:rPr lang="en-US" dirty="0" smtClean="0"/>
-              <a:t>4</a:t>
+              <a:t>Lecture 4</a:t>
             </a:r>
             <a:endParaRPr lang="en-US" dirty="0"/>
           </a:p>
@@ -3238,7 +3233,7 @@
           <a:p>
             <a:r>
               <a:rPr lang="en-US" dirty="0" smtClean="0"/>
-              <a:t>Software setup</a:t>
+              <a:t>Intro</a:t>
             </a:r>
             <a:endParaRPr lang="en-US" dirty="0"/>
           </a:p>
@@ -3265,7 +3260,6 @@
               <a:rPr lang="en-US" dirty="0" smtClean="0"/>
               <a:t>Reference:</a:t>
             </a:r>
-            <a:endParaRPr lang="en-US" dirty="0" smtClean="0"/>
           </a:p>
           <a:p>
             <a:pPr lvl="1"/>
@@ -3323,14 +3317,10 @@
             </a:r>
             <a:r>
               <a:rPr lang="fr-FR" sz="2400" dirty="0"/>
-              <a:t> (2005) 23: 1481</a:t>
-            </a:r>
-            <a:r>
-              <a:rPr lang="fr-FR" sz="2400"/>
-              <a:t>–</a:t>
-            </a:r>
-            <a:r>
-              <a:rPr lang="fr-FR" sz="2400" smtClean="0"/>
+              <a:t> (2005) 23: 1481–</a:t>
+            </a:r>
+            <a:r>
+              <a:rPr lang="fr-FR" sz="2400" dirty="0" smtClean="0"/>
               <a:t>1497</a:t>
             </a:r>
             <a:endParaRPr lang="fr-FR" sz="2400" dirty="0"/>
@@ -3933,89 +3923,6 @@
 </file>
 
 <file path=ppt/slides/slide6.xml><?xml version="1.0" encoding="utf-8"?>
-<p:sld xmlns:a="http://schemas.openxmlformats.org/drawingml/2006/main" xmlns:r="http://schemas.openxmlformats.org/officeDocument/2006/relationships" xmlns:p="http://schemas.openxmlformats.org/presentationml/2006/main">
-  <p:cSld>
-    <p:spTree>
-      <p:nvGrpSpPr>
-        <p:cNvPr id="1" name=""/>
-        <p:cNvGrpSpPr/>
-        <p:nvPr/>
-      </p:nvGrpSpPr>
-      <p:grpSpPr>
-        <a:xfrm>
-          <a:off x="0" y="0"/>
-          <a:ext cx="0" cy="0"/>
-          <a:chOff x="0" y="0"/>
-          <a:chExt cx="0" cy="0"/>
-        </a:xfrm>
-      </p:grpSpPr>
-      <p:sp>
-        <p:nvSpPr>
-          <p:cNvPr id="2" name="Title 1"/>
-          <p:cNvSpPr>
-            <a:spLocks noGrp="1"/>
-          </p:cNvSpPr>
-          <p:nvPr>
-            <p:ph type="title"/>
-          </p:nvPr>
-        </p:nvSpPr>
-        <p:spPr/>
-        <p:txBody>
-          <a:bodyPr/>
-          <a:lstStyle/>
-          <a:p>
-            <a:r>
-              <a:rPr lang="en-US" dirty="0" smtClean="0"/>
-              <a:t>Definition of thickness</a:t>
-            </a:r>
-            <a:endParaRPr lang="en-US" dirty="0"/>
-          </a:p>
-        </p:txBody>
-      </p:sp>
-      <p:pic>
-        <p:nvPicPr>
-          <p:cNvPr id="4" name="Content Placeholder 3" descr="Знімок екрана 2015-08-04 о 16.27.21.png"/>
-          <p:cNvPicPr>
-            <a:picLocks noGrp="1" noChangeAspect="1"/>
-          </p:cNvPicPr>
-          <p:nvPr>
-            <p:ph idx="1"/>
-          </p:nvPr>
-        </p:nvPicPr>
-        <p:blipFill>
-          <a:blip r:embed="rId2">
-            <a:extLst>
-              <a:ext uri="{28A0092B-C50C-407E-A947-70E740481C1C}">
-                <a14:useLocalDpi xmlns:a14="http://schemas.microsoft.com/office/drawing/2010/main" val="0"/>
-              </a:ext>
-            </a:extLst>
-          </a:blip>
-          <a:srcRect l="807" r="807"/>
-          <a:stretch>
-            <a:fillRect/>
-          </a:stretch>
-        </p:blipFill>
-        <p:spPr>
-          <a:xfrm>
-            <a:off x="457200" y="1600201"/>
-            <a:ext cx="3925729" cy="2159000"/>
-          </a:xfrm>
-        </p:spPr>
-      </p:pic>
-    </p:spTree>
-    <p:extLst>
-      <p:ext uri="{BB962C8B-B14F-4D97-AF65-F5344CB8AC3E}">
-        <p14:creationId xmlns:p14="http://schemas.microsoft.com/office/powerpoint/2010/main" val="2110131869"/>
-      </p:ext>
-    </p:extLst>
-  </p:cSld>
-  <p:clrMapOvr>
-    <a:masterClrMapping/>
-  </p:clrMapOvr>
-</p:sld>
-</file>
-
-<file path=ppt/slides/slide7.xml><?xml version="1.0" encoding="utf-8"?>
 <p:sld xmlns:a="http://schemas.openxmlformats.org/drawingml/2006/main" xmlns:r="http://schemas.openxmlformats.org/officeDocument/2006/relationships" xmlns:p="http://schemas.openxmlformats.org/presentationml/2006/main">
   <p:cSld>
     <p:spTree>
